--- a/PPT模板/素白古典！欧式风格多用PPT模板免费分享.pptx
+++ b/PPT模板/素白古典！欧式风格多用PPT模板免费分享.pptx
@@ -118,7 +118,7 @@
   </p:defaultTextStyle>
   <p:extLst>
     <p:ext uri="{EFAFB233-063F-42B5-8137-9DF3F51BA10A}">
-      <p15:sldGuideLst xmlns:p15="http://schemas.microsoft.com/office/powerpoint/2012/main">
+      <p15:sldGuideLst xmlns:p15="http://schemas.microsoft.com/office/powerpoint/2012/main" xmlns="">
         <p15:guide id="1" orient="horz" pos="2160" userDrawn="1">
           <p15:clr>
             <a:srgbClr val="A4A3A4"/>
@@ -217,7 +217,7 @@
           <a:p>
             <a:fld id="{7B66F7A2-ACE5-4EAA-A4A9-5418C39361FF}" type="datetimeFigureOut">
               <a:rPr lang="zh-CN" altLang="en-US" smtClean="0"/>
-              <a:t>2015/9/13</a:t>
+              <a:t>2017/9/27</a:t>
             </a:fld>
             <a:endParaRPr lang="zh-CN" altLang="en-US"/>
           </a:p>
@@ -760,7 +760,7 @@
           <a:p>
             <a:fld id="{469CD565-D131-44D1-9885-986ED8B53057}" type="datetimeFigureOut">
               <a:rPr lang="zh-CN" altLang="en-US" smtClean="0"/>
-              <a:t>2015/9/13</a:t>
+              <a:t>2017/9/27</a:t>
             </a:fld>
             <a:endParaRPr lang="zh-CN" altLang="en-US"/>
           </a:p>
@@ -930,7 +930,7 @@
           <a:p>
             <a:fld id="{469CD565-D131-44D1-9885-986ED8B53057}" type="datetimeFigureOut">
               <a:rPr lang="zh-CN" altLang="en-US" smtClean="0"/>
-              <a:t>2015/9/13</a:t>
+              <a:t>2017/9/27</a:t>
             </a:fld>
             <a:endParaRPr lang="zh-CN" altLang="en-US"/>
           </a:p>
@@ -1110,7 +1110,7 @@
           <a:p>
             <a:fld id="{469CD565-D131-44D1-9885-986ED8B53057}" type="datetimeFigureOut">
               <a:rPr lang="zh-CN" altLang="en-US" smtClean="0"/>
-              <a:t>2015/9/13</a:t>
+              <a:t>2017/9/27</a:t>
             </a:fld>
             <a:endParaRPr lang="zh-CN" altLang="en-US"/>
           </a:p>
@@ -1314,7 +1314,7 @@
               <a:pPr defTabSz="609585">
                 <a:defRPr/>
               </a:pPr>
-              <a:t>2015/9/13</a:t>
+              <a:t>2017/9/27</a:t>
             </a:fld>
             <a:endParaRPr lang="zh-CN" altLang="en-US">
               <a:solidFill>
@@ -1529,7 +1529,7 @@
               <a:pPr defTabSz="609585">
                 <a:defRPr/>
               </a:pPr>
-              <a:t>2015/9/13</a:t>
+              <a:t>2017/9/27</a:t>
             </a:fld>
             <a:endParaRPr lang="zh-CN" altLang="en-US">
               <a:solidFill>
@@ -1820,7 +1820,7 @@
               <a:pPr defTabSz="609585">
                 <a:defRPr/>
               </a:pPr>
-              <a:t>2015/9/13</a:t>
+              <a:t>2017/9/27</a:t>
             </a:fld>
             <a:endParaRPr lang="zh-CN" altLang="en-US">
               <a:solidFill>
@@ -2097,7 +2097,7 @@
               <a:pPr defTabSz="609585">
                 <a:defRPr/>
               </a:pPr>
-              <a:t>2015/9/13</a:t>
+              <a:t>2017/9/27</a:t>
             </a:fld>
             <a:endParaRPr lang="zh-CN" altLang="en-US">
               <a:solidFill>
@@ -2509,7 +2509,7 @@
               <a:pPr defTabSz="609585">
                 <a:defRPr/>
               </a:pPr>
-              <a:t>2015/9/13</a:t>
+              <a:t>2017/9/27</a:t>
             </a:fld>
             <a:endParaRPr lang="zh-CN" altLang="en-US">
               <a:solidFill>
@@ -2672,7 +2672,7 @@
               <a:pPr defTabSz="609585">
                 <a:defRPr/>
               </a:pPr>
-              <a:t>2015/9/13</a:t>
+              <a:t>2017/9/27</a:t>
             </a:fld>
             <a:endParaRPr lang="zh-CN" altLang="en-US">
               <a:solidFill>
@@ -2812,7 +2812,7 @@
               <a:pPr defTabSz="609585">
                 <a:defRPr/>
               </a:pPr>
-              <a:t>2015/9/13</a:t>
+              <a:t>2017/9/27</a:t>
             </a:fld>
             <a:endParaRPr lang="zh-CN" altLang="en-US">
               <a:solidFill>
@@ -3134,7 +3134,7 @@
               <a:pPr defTabSz="609585">
                 <a:defRPr/>
               </a:pPr>
-              <a:t>2015/9/13</a:t>
+              <a:t>2017/9/27</a:t>
             </a:fld>
             <a:endParaRPr lang="zh-CN" altLang="en-US">
               <a:solidFill>
@@ -3337,7 +3337,7 @@
           <a:p>
             <a:fld id="{469CD565-D131-44D1-9885-986ED8B53057}" type="datetimeFigureOut">
               <a:rPr lang="zh-CN" altLang="en-US" smtClean="0"/>
-              <a:t>2015/9/13</a:t>
+              <a:t>2017/9/27</a:t>
             </a:fld>
             <a:endParaRPr lang="zh-CN" altLang="en-US"/>
           </a:p>
@@ -3602,7 +3602,7 @@
               <a:pPr defTabSz="609585">
                 <a:defRPr/>
               </a:pPr>
-              <a:t>2015/9/13</a:t>
+              <a:t>2017/9/27</a:t>
             </a:fld>
             <a:endParaRPr lang="zh-CN" altLang="en-US">
               <a:solidFill>
@@ -3817,7 +3817,7 @@
               <a:pPr defTabSz="609585">
                 <a:defRPr/>
               </a:pPr>
-              <a:t>2015/9/13</a:t>
+              <a:t>2017/9/27</a:t>
             </a:fld>
             <a:endParaRPr lang="zh-CN" altLang="en-US">
               <a:solidFill>
@@ -4042,7 +4042,7 @@
               <a:pPr defTabSz="609585">
                 <a:defRPr/>
               </a:pPr>
-              <a:t>2015/9/13</a:t>
+              <a:t>2017/9/27</a:t>
             </a:fld>
             <a:endParaRPr lang="zh-CN" altLang="en-US">
               <a:solidFill>
@@ -4321,7 +4321,7 @@
           <a:p>
             <a:fld id="{469CD565-D131-44D1-9885-986ED8B53057}" type="datetimeFigureOut">
               <a:rPr lang="zh-CN" altLang="en-US" smtClean="0"/>
-              <a:t>2015/9/13</a:t>
+              <a:t>2017/9/27</a:t>
             </a:fld>
             <a:endParaRPr lang="zh-CN" altLang="en-US"/>
           </a:p>
@@ -4553,7 +4553,7 @@
           <a:p>
             <a:fld id="{469CD565-D131-44D1-9885-986ED8B53057}" type="datetimeFigureOut">
               <a:rPr lang="zh-CN" altLang="en-US" smtClean="0"/>
-              <a:t>2015/9/13</a:t>
+              <a:t>2017/9/27</a:t>
             </a:fld>
             <a:endParaRPr lang="zh-CN" altLang="en-US"/>
           </a:p>
@@ -4920,7 +4920,7 @@
           <a:p>
             <a:fld id="{469CD565-D131-44D1-9885-986ED8B53057}" type="datetimeFigureOut">
               <a:rPr lang="zh-CN" altLang="en-US" smtClean="0"/>
-              <a:t>2015/9/13</a:t>
+              <a:t>2017/9/27</a:t>
             </a:fld>
             <a:endParaRPr lang="zh-CN" altLang="en-US"/>
           </a:p>
@@ -5038,7 +5038,7 @@
           <a:p>
             <a:fld id="{469CD565-D131-44D1-9885-986ED8B53057}" type="datetimeFigureOut">
               <a:rPr lang="zh-CN" altLang="en-US" smtClean="0"/>
-              <a:t>2015/9/13</a:t>
+              <a:t>2017/9/27</a:t>
             </a:fld>
             <a:endParaRPr lang="zh-CN" altLang="en-US"/>
           </a:p>
@@ -5133,7 +5133,7 @@
           <a:p>
             <a:fld id="{469CD565-D131-44D1-9885-986ED8B53057}" type="datetimeFigureOut">
               <a:rPr lang="zh-CN" altLang="en-US" smtClean="0"/>
-              <a:t>2015/9/13</a:t>
+              <a:t>2017/9/27</a:t>
             </a:fld>
             <a:endParaRPr lang="zh-CN" altLang="en-US"/>
           </a:p>
@@ -5410,7 +5410,7 @@
           <a:p>
             <a:fld id="{469CD565-D131-44D1-9885-986ED8B53057}" type="datetimeFigureOut">
               <a:rPr lang="zh-CN" altLang="en-US" smtClean="0"/>
-              <a:t>2015/9/13</a:t>
+              <a:t>2017/9/27</a:t>
             </a:fld>
             <a:endParaRPr lang="zh-CN" altLang="en-US"/>
           </a:p>
@@ -5663,7 +5663,7 @@
           <a:p>
             <a:fld id="{469CD565-D131-44D1-9885-986ED8B53057}" type="datetimeFigureOut">
               <a:rPr lang="zh-CN" altLang="en-US" smtClean="0"/>
-              <a:t>2015/9/13</a:t>
+              <a:t>2017/9/27</a:t>
             </a:fld>
             <a:endParaRPr lang="zh-CN" altLang="en-US"/>
           </a:p>
@@ -5886,7 +5886,7 @@
           <a:p>
             <a:fld id="{469CD565-D131-44D1-9885-986ED8B53057}" type="datetimeFigureOut">
               <a:rPr lang="zh-CN" altLang="en-US" smtClean="0"/>
-              <a:t>2015/9/13</a:t>
+              <a:t>2017/9/27</a:t>
             </a:fld>
             <a:endParaRPr lang="zh-CN" altLang="en-US"/>
           </a:p>
@@ -6438,7 +6438,7 @@
               <a:pPr defTabSz="914377">
                 <a:defRPr/>
               </a:pPr>
-              <a:t>2015/9/13</a:t>
+              <a:t>2017/9/27</a:t>
             </a:fld>
             <a:endParaRPr lang="zh-CN" altLang="en-US">
               <a:solidFill>
@@ -33588,206 +33588,6 @@
       </p:sp>
       <p:sp>
         <p:nvSpPr>
-          <p:cNvPr id="40" name="矩形 14"/>
-          <p:cNvSpPr>
-            <a:spLocks noChangeArrowheads="1"/>
-          </p:cNvSpPr>
-          <p:nvPr/>
-        </p:nvSpPr>
-        <p:spPr bwMode="auto">
-          <a:xfrm>
-            <a:off x="5468529" y="6521305"/>
-            <a:ext cx="6232796" cy="369332"/>
-          </a:xfrm>
-          <a:prstGeom prst="rect">
-            <a:avLst/>
-          </a:prstGeom>
-          <a:noFill/>
-          <a:ln>
-            <a:noFill/>
-          </a:ln>
-          <a:extLst>
-            <a:ext uri="{909E8E84-426E-40DD-AFC4-6F175D3DCCD1}">
-              <a14:hiddenFill xmlns:a14="http://schemas.microsoft.com/office/drawing/2010/main">
-                <a:solidFill>
-                  <a:srgbClr val="FFFFFF"/>
-                </a:solidFill>
-              </a14:hiddenFill>
-            </a:ext>
-            <a:ext uri="{91240B29-F687-4F45-9708-019B960494DF}">
-              <a14:hiddenLine xmlns:a14="http://schemas.microsoft.com/office/drawing/2010/main" w="9525">
-                <a:solidFill>
-                  <a:srgbClr val="000000"/>
-                </a:solidFill>
-                <a:miter lim="800000"/>
-                <a:headEnd/>
-                <a:tailEnd/>
-              </a14:hiddenLine>
-            </a:ext>
-          </a:extLst>
-        </p:spPr>
-        <p:txBody>
-          <a:bodyPr wrap="none">
-            <a:spAutoFit/>
-          </a:bodyPr>
-          <a:lstStyle>
-            <a:lvl1pPr marL="285750" indent="-285750" eaLnBrk="0" hangingPunct="0">
-              <a:defRPr>
-                <a:solidFill>
-                  <a:schemeClr val="tx1"/>
-                </a:solidFill>
-                <a:latin typeface="Arial" panose="020B0604020202020204" pitchFamily="34" charset="0"/>
-                <a:ea typeface="宋体" panose="02010600030101010101" pitchFamily="2" charset="-122"/>
-              </a:defRPr>
-            </a:lvl1pPr>
-            <a:lvl2pPr marL="742950" indent="-285750" eaLnBrk="0" hangingPunct="0">
-              <a:defRPr>
-                <a:solidFill>
-                  <a:schemeClr val="tx1"/>
-                </a:solidFill>
-                <a:latin typeface="Arial" panose="020B0604020202020204" pitchFamily="34" charset="0"/>
-                <a:ea typeface="宋体" panose="02010600030101010101" pitchFamily="2" charset="-122"/>
-              </a:defRPr>
-            </a:lvl2pPr>
-            <a:lvl3pPr marL="1143000" indent="-228600" eaLnBrk="0" hangingPunct="0">
-              <a:defRPr>
-                <a:solidFill>
-                  <a:schemeClr val="tx1"/>
-                </a:solidFill>
-                <a:latin typeface="Arial" panose="020B0604020202020204" pitchFamily="34" charset="0"/>
-                <a:ea typeface="宋体" panose="02010600030101010101" pitchFamily="2" charset="-122"/>
-              </a:defRPr>
-            </a:lvl3pPr>
-            <a:lvl4pPr marL="1600200" indent="-228600" eaLnBrk="0" hangingPunct="0">
-              <a:defRPr>
-                <a:solidFill>
-                  <a:schemeClr val="tx1"/>
-                </a:solidFill>
-                <a:latin typeface="Arial" panose="020B0604020202020204" pitchFamily="34" charset="0"/>
-                <a:ea typeface="宋体" panose="02010600030101010101" pitchFamily="2" charset="-122"/>
-              </a:defRPr>
-            </a:lvl4pPr>
-            <a:lvl5pPr marL="2057400" indent="-228600" eaLnBrk="0" hangingPunct="0">
-              <a:defRPr>
-                <a:solidFill>
-                  <a:schemeClr val="tx1"/>
-                </a:solidFill>
-                <a:latin typeface="Arial" panose="020B0604020202020204" pitchFamily="34" charset="0"/>
-                <a:ea typeface="宋体" panose="02010600030101010101" pitchFamily="2" charset="-122"/>
-              </a:defRPr>
-            </a:lvl5pPr>
-            <a:lvl6pPr marL="2514600" indent="-228600" eaLnBrk="0" fontAlgn="base" hangingPunct="0">
-              <a:spcBef>
-                <a:spcPct val="0"/>
-              </a:spcBef>
-              <a:spcAft>
-                <a:spcPct val="0"/>
-              </a:spcAft>
-              <a:defRPr>
-                <a:solidFill>
-                  <a:schemeClr val="tx1"/>
-                </a:solidFill>
-                <a:latin typeface="Arial" panose="020B0604020202020204" pitchFamily="34" charset="0"/>
-                <a:ea typeface="宋体" panose="02010600030101010101" pitchFamily="2" charset="-122"/>
-              </a:defRPr>
-            </a:lvl6pPr>
-            <a:lvl7pPr marL="2971800" indent="-228600" eaLnBrk="0" fontAlgn="base" hangingPunct="0">
-              <a:spcBef>
-                <a:spcPct val="0"/>
-              </a:spcBef>
-              <a:spcAft>
-                <a:spcPct val="0"/>
-              </a:spcAft>
-              <a:defRPr>
-                <a:solidFill>
-                  <a:schemeClr val="tx1"/>
-                </a:solidFill>
-                <a:latin typeface="Arial" panose="020B0604020202020204" pitchFamily="34" charset="0"/>
-                <a:ea typeface="宋体" panose="02010600030101010101" pitchFamily="2" charset="-122"/>
-              </a:defRPr>
-            </a:lvl7pPr>
-            <a:lvl8pPr marL="3429000" indent="-228600" eaLnBrk="0" fontAlgn="base" hangingPunct="0">
-              <a:spcBef>
-                <a:spcPct val="0"/>
-              </a:spcBef>
-              <a:spcAft>
-                <a:spcPct val="0"/>
-              </a:spcAft>
-              <a:defRPr>
-                <a:solidFill>
-                  <a:schemeClr val="tx1"/>
-                </a:solidFill>
-                <a:latin typeface="Arial" panose="020B0604020202020204" pitchFamily="34" charset="0"/>
-                <a:ea typeface="宋体" panose="02010600030101010101" pitchFamily="2" charset="-122"/>
-              </a:defRPr>
-            </a:lvl8pPr>
-            <a:lvl9pPr marL="3886200" indent="-228600" eaLnBrk="0" fontAlgn="base" hangingPunct="0">
-              <a:spcBef>
-                <a:spcPct val="0"/>
-              </a:spcBef>
-              <a:spcAft>
-                <a:spcPct val="0"/>
-              </a:spcAft>
-              <a:defRPr>
-                <a:solidFill>
-                  <a:schemeClr val="tx1"/>
-                </a:solidFill>
-                <a:latin typeface="Arial" panose="020B0604020202020204" pitchFamily="34" charset="0"/>
-                <a:ea typeface="宋体" panose="02010600030101010101" pitchFamily="2" charset="-122"/>
-              </a:defRPr>
-            </a:lvl9pPr>
-          </a:lstStyle>
-          <a:p>
-            <a:pPr marL="380990" indent="-380990" defTabSz="914377" eaLnBrk="1" hangingPunct="1">
-              <a:lnSpc>
-                <a:spcPct val="150000"/>
-              </a:lnSpc>
-              <a:buFont typeface="Arial" panose="020B0604020202020204" pitchFamily="34" charset="0"/>
-              <a:buChar char="•"/>
-              <a:defRPr/>
-            </a:pPr>
-            <a:r>
-              <a:rPr lang="zh-CN" altLang="en-US" sz="1200" dirty="0">
-                <a:solidFill>
-                  <a:prstClr val="white"/>
-                </a:solidFill>
-                <a:latin typeface="微软雅黑" panose="020B0503020204020204" pitchFamily="34" charset="-122"/>
-                <a:ea typeface="微软雅黑" panose="020B0503020204020204" pitchFamily="34" charset="-122"/>
-              </a:rPr>
-              <a:t>声明：本</a:t>
-            </a:r>
-            <a:r>
-              <a:rPr lang="en-US" altLang="zh-CN" sz="1200" dirty="0">
-                <a:solidFill>
-                  <a:prstClr val="white"/>
-                </a:solidFill>
-                <a:latin typeface="微软雅黑" panose="020B0503020204020204" pitchFamily="34" charset="-122"/>
-                <a:ea typeface="微软雅黑" panose="020B0503020204020204" pitchFamily="34" charset="-122"/>
-              </a:rPr>
-              <a:t>PPT</a:t>
-            </a:r>
-            <a:r>
-              <a:rPr lang="zh-CN" altLang="en-US" sz="1200" dirty="0">
-                <a:solidFill>
-                  <a:prstClr val="white"/>
-                </a:solidFill>
-                <a:latin typeface="微软雅黑" panose="020B0503020204020204" pitchFamily="34" charset="-122"/>
-                <a:ea typeface="微软雅黑" panose="020B0503020204020204" pitchFamily="34" charset="-122"/>
-              </a:rPr>
-              <a:t>来源于网络渠道，感谢作者的辛勤劳动，如作者不喜可私信本人删除！</a:t>
-            </a:r>
-            <a:endParaRPr lang="en-US" sz="1200" dirty="0">
-              <a:solidFill>
-                <a:prstClr val="white"/>
-              </a:solidFill>
-              <a:latin typeface="微软雅黑" panose="020B0503020204020204" pitchFamily="34" charset="-122"/>
-              <a:ea typeface="微软雅黑" panose="020B0503020204020204" pitchFamily="34" charset="-122"/>
-            </a:endParaRPr>
-          </a:p>
-        </p:txBody>
-      </p:sp>
-      <p:sp>
-        <p:nvSpPr>
           <p:cNvPr id="2" name="矩形 1"/>
           <p:cNvSpPr/>
           <p:nvPr/>
@@ -34000,129 +33800,9 @@
   <p:timing>
     <p:tnLst>
       <p:par>
-        <p:cTn id="1" dur="indefinite" restart="never" nodeType="tmRoot">
-          <p:childTnLst>
-            <p:seq concurrent="1" nextAc="seek">
-              <p:cTn id="2" dur="indefinite" nodeType="mainSeq">
-                <p:childTnLst>
-                  <p:par>
-                    <p:cTn id="3" fill="hold">
-                      <p:stCondLst>
-                        <p:cond delay="indefinite"/>
-                        <p:cond evt="onBegin" delay="0">
-                          <p:tn val="2"/>
-                        </p:cond>
-                      </p:stCondLst>
-                      <p:childTnLst>
-                        <p:par>
-                          <p:cTn id="4" fill="hold">
-                            <p:stCondLst>
-                              <p:cond delay="0"/>
-                            </p:stCondLst>
-                            <p:childTnLst>
-                              <p:par>
-                                <p:cTn id="5" presetID="2" presetClass="entr" presetSubtype="4" fill="hold" grpId="0" nodeType="afterEffect">
-                                  <p:stCondLst>
-                                    <p:cond delay="0"/>
-                                  </p:stCondLst>
-                                  <p:childTnLst>
-                                    <p:set>
-                                      <p:cBhvr>
-                                        <p:cTn id="6" dur="1" fill="hold">
-                                          <p:stCondLst>
-                                            <p:cond delay="0"/>
-                                          </p:stCondLst>
-                                        </p:cTn>
-                                        <p:tgtEl>
-                                          <p:spTgt spid="40"/>
-                                        </p:tgtEl>
-                                        <p:attrNameLst>
-                                          <p:attrName>style.visibility</p:attrName>
-                                        </p:attrNameLst>
-                                      </p:cBhvr>
-                                      <p:to>
-                                        <p:strVal val="visible"/>
-                                      </p:to>
-                                    </p:set>
-                                    <p:anim calcmode="lin" valueType="num">
-                                      <p:cBhvr additive="base">
-                                        <p:cTn id="7" dur="500" fill="hold"/>
-                                        <p:tgtEl>
-                                          <p:spTgt spid="40"/>
-                                        </p:tgtEl>
-                                        <p:attrNameLst>
-                                          <p:attrName>ppt_x</p:attrName>
-                                        </p:attrNameLst>
-                                      </p:cBhvr>
-                                      <p:tavLst>
-                                        <p:tav tm="0">
-                                          <p:val>
-                                            <p:strVal val="#ppt_x"/>
-                                          </p:val>
-                                        </p:tav>
-                                        <p:tav tm="100000">
-                                          <p:val>
-                                            <p:strVal val="#ppt_x"/>
-                                          </p:val>
-                                        </p:tav>
-                                      </p:tavLst>
-                                    </p:anim>
-                                    <p:anim calcmode="lin" valueType="num">
-                                      <p:cBhvr additive="base">
-                                        <p:cTn id="8" dur="500" fill="hold"/>
-                                        <p:tgtEl>
-                                          <p:spTgt spid="40"/>
-                                        </p:tgtEl>
-                                        <p:attrNameLst>
-                                          <p:attrName>ppt_y</p:attrName>
-                                        </p:attrNameLst>
-                                      </p:cBhvr>
-                                      <p:tavLst>
-                                        <p:tav tm="0">
-                                          <p:val>
-                                            <p:strVal val="1+#ppt_h/2"/>
-                                          </p:val>
-                                        </p:tav>
-                                        <p:tav tm="100000">
-                                          <p:val>
-                                            <p:strVal val="#ppt_y"/>
-                                          </p:val>
-                                        </p:tav>
-                                      </p:tavLst>
-                                    </p:anim>
-                                  </p:childTnLst>
-                                </p:cTn>
-                              </p:par>
-                            </p:childTnLst>
-                          </p:cTn>
-                        </p:par>
-                      </p:childTnLst>
-                    </p:cTn>
-                  </p:par>
-                </p:childTnLst>
-              </p:cTn>
-              <p:prevCondLst>
-                <p:cond evt="onPrev" delay="0">
-                  <p:tgtEl>
-                    <p:sldTgt/>
-                  </p:tgtEl>
-                </p:cond>
-              </p:prevCondLst>
-              <p:nextCondLst>
-                <p:cond evt="onNext" delay="0">
-                  <p:tgtEl>
-                    <p:sldTgt/>
-                  </p:tgtEl>
-                </p:cond>
-              </p:nextCondLst>
-            </p:seq>
-          </p:childTnLst>
-        </p:cTn>
+        <p:cTn id="1" dur="indefinite" restart="never" nodeType="tmRoot"/>
       </p:par>
     </p:tnLst>
-    <p:bldLst>
-      <p:bldP spid="40" grpId="0" autoUpdateAnimBg="0"/>
-    </p:bldLst>
   </p:timing>
 </p:sld>
 </file>
@@ -34170,7 +33850,7 @@
     </a:clrScheme>
     <a:fontScheme name="Office">
       <a:majorFont>
-        <a:latin typeface="Calibri Light" panose="020F0302020204030204"/>
+        <a:latin typeface="Calibri Light"/>
         <a:ea typeface=""/>
         <a:cs typeface=""/>
         <a:font script="Jpan" typeface="ＭＳ Ｐゴシック"/>
@@ -34205,7 +33885,7 @@
         <a:font script="Geor" typeface="Sylfaen"/>
       </a:majorFont>
       <a:minorFont>
-        <a:latin typeface="Calibri" panose="020F0502020204030204"/>
+        <a:latin typeface="Calibri"/>
         <a:ea typeface=""/>
         <a:cs typeface=""/>
         <a:font script="Jpan" typeface="ＭＳ Ｐゴシック"/>
@@ -34382,7 +34062,7 @@
   <a:extraClrSchemeLst/>
   <a:extLst>
     <a:ext uri="{05A4C25C-085E-4340-85A3-A5531E510DB2}">
-      <thm15:themeFamily xmlns:thm15="http://schemas.microsoft.com/office/thememl/2012/main" name="Office Theme" id="{62F939B6-93AF-4DB8-9C6B-D6C7DFDC589F}" vid="{4A3C46E8-61CC-4603-A589-7422A47A8E4A}"/>
+      <thm15:themeFamily xmlns:thm15="http://schemas.microsoft.com/office/thememl/2012/main" xmlns="" name="Office Theme" id="{62F939B6-93AF-4DB8-9C6B-D6C7DFDC589F}" vid="{4A3C46E8-61CC-4603-A589-7422A47A8E4A}"/>
     </a:ext>
   </a:extLst>
 </a:theme>
@@ -34431,7 +34111,7 @@
     </a:clrScheme>
     <a:fontScheme name="Office">
       <a:majorFont>
-        <a:latin typeface="Calibri Light" panose="020F0302020204030204"/>
+        <a:latin typeface="Calibri Light"/>
         <a:ea typeface=""/>
         <a:cs typeface=""/>
         <a:font script="Jpan" typeface="ＭＳ Ｐゴシック"/>
@@ -34466,7 +34146,7 @@
         <a:font script="Geor" typeface="Sylfaen"/>
       </a:majorFont>
       <a:minorFont>
-        <a:latin typeface="Calibri" panose="020F0502020204030204"/>
+        <a:latin typeface="Calibri"/>
         <a:ea typeface=""/>
         <a:cs typeface=""/>
         <a:font script="Jpan" typeface="ＭＳ Ｐゴシック"/>
@@ -34643,7 +34323,7 @@
   <a:extraClrSchemeLst/>
   <a:extLst>
     <a:ext uri="{05A4C25C-085E-4340-85A3-A5531E510DB2}">
-      <thm15:themeFamily xmlns:thm15="http://schemas.microsoft.com/office/thememl/2012/main" name="Office Theme" id="{62F939B6-93AF-4DB8-9C6B-D6C7DFDC589F}" vid="{4A3C46E8-61CC-4603-A589-7422A47A8E4A}"/>
+      <thm15:themeFamily xmlns:thm15="http://schemas.microsoft.com/office/thememl/2012/main" xmlns="" name="Office Theme" id="{62F939B6-93AF-4DB8-9C6B-D6C7DFDC589F}" vid="{4A3C46E8-61CC-4603-A589-7422A47A8E4A}"/>
     </a:ext>
   </a:extLst>
 </a:theme>
@@ -34692,7 +34372,7 @@
     </a:clrScheme>
     <a:fontScheme name="Office">
       <a:majorFont>
-        <a:latin typeface="Calibri Light" panose="020F0302020204030204"/>
+        <a:latin typeface="Calibri Light"/>
         <a:ea typeface=""/>
         <a:cs typeface=""/>
         <a:font script="Jpan" typeface="ＭＳ Ｐゴシック"/>
@@ -34727,7 +34407,7 @@
         <a:font script="Geor" typeface="Sylfaen"/>
       </a:majorFont>
       <a:minorFont>
-        <a:latin typeface="Calibri" panose="020F0502020204030204"/>
+        <a:latin typeface="Calibri"/>
         <a:ea typeface=""/>
         <a:cs typeface=""/>
         <a:font script="Jpan" typeface="ＭＳ Ｐゴシック"/>
@@ -34904,7 +34584,7 @@
   <a:extraClrSchemeLst/>
   <a:extLst>
     <a:ext uri="{05A4C25C-085E-4340-85A3-A5531E510DB2}">
-      <thm15:themeFamily xmlns:thm15="http://schemas.microsoft.com/office/thememl/2012/main" name="Office Theme" id="{62F939B6-93AF-4DB8-9C6B-D6C7DFDC589F}" vid="{4A3C46E8-61CC-4603-A589-7422A47A8E4A}"/>
+      <thm15:themeFamily xmlns:thm15="http://schemas.microsoft.com/office/thememl/2012/main" xmlns="" name="Office Theme" id="{62F939B6-93AF-4DB8-9C6B-D6C7DFDC589F}" vid="{4A3C46E8-61CC-4603-A589-7422A47A8E4A}"/>
     </a:ext>
   </a:extLst>
 </a:theme>
